--- a/기획자료/PYG_정령_1_220802_ver5.pptx
+++ b/기획자료/PYG_정령_1_220802_ver5.pptx
@@ -275,7 +275,7 @@
       <p15:notesGuideLst xmlns:p15="http://schemas.microsoft.com/office/powerpoint/2012/main"/>
     </p:ext>
     <p:ext uri="http://customooxmlschemas.google.com/">
-      <go:slidesCustomData xmlns:go="http://customooxmlschemas.google.com/" xmlns:ahyp="http://schemas.microsoft.com/office/drawing/2018/hyperlinkcolor" xmlns:p15="http://schemas.microsoft.com/office/powerpoint/2012/main" xmlns:p14="http://schemas.microsoft.com/office/powerpoint/2010/main" xmlns:com="http://schemas.openxmlformats.org/drawingml/2006/compatibility" xmlns:pvml="urn:schemas-microsoft-com:office:powerpoint" xmlns:v="urn:schemas-microsoft-com:vml" xmlns:o="urn:schemas-microsoft-com:office:office" xmlns:dgm="http://schemas.openxmlformats.org/drawingml/2006/diagram" xmlns:c="http://schemas.openxmlformats.org/drawingml/2006/chart" xmlns:mv="urn:schemas-microsoft-com:mac:vml" xmlns:mc="http://schemas.openxmlformats.org/markup-compatibility/2006" xmlns="" r:id="rId22" roundtripDataSignature="AMtx7mjoc8yIVULp6K+dfz3fr5kxV1yK+Q=="/>
+      <go:slidesCustomData xmlns="" xmlns:mc="http://schemas.openxmlformats.org/markup-compatibility/2006" xmlns:mv="urn:schemas-microsoft-com:mac:vml" xmlns:c="http://schemas.openxmlformats.org/drawingml/2006/chart" xmlns:dgm="http://schemas.openxmlformats.org/drawingml/2006/diagram" xmlns:o="urn:schemas-microsoft-com:office:office" xmlns:v="urn:schemas-microsoft-com:vml" xmlns:pvml="urn:schemas-microsoft-com:office:powerpoint" xmlns:com="http://schemas.openxmlformats.org/drawingml/2006/compatibility" xmlns:p14="http://schemas.microsoft.com/office/powerpoint/2010/main" xmlns:p15="http://schemas.microsoft.com/office/powerpoint/2012/main" xmlns:ahyp="http://schemas.microsoft.com/office/drawing/2018/hyperlinkcolor" xmlns:go="http://customooxmlschemas.google.com/" r:id="rId22" roundtripDataSignature="AMtx7mjoc8yIVULp6K+dfz3fr5kxV1yK+Q=="/>
     </p:ext>
   </p:extLst>
 </p:presentation>
@@ -37687,19 +37687,8 @@
                 <a:latin typeface="에스코어 드림 4 Regular" panose="020B0503030302020204" pitchFamily="34" charset="-127"/>
                 <a:ea typeface="에스코어 드림 4 Regular" panose="020B0503030302020204" pitchFamily="34" charset="-127"/>
               </a:rPr>
-              <a:t>: 1 </a:t>
+              <a:t>: 1M</a:t>
             </a:r>
-            <a:r>
-              <a:rPr lang="ko-KR" altLang="en-US" sz="1200" dirty="0">
-                <a:latin typeface="에스코어 드림 4 Regular" panose="020B0503030302020204" pitchFamily="34" charset="-127"/>
-                <a:ea typeface="에스코어 드림 4 Regular" panose="020B0503030302020204" pitchFamily="34" charset="-127"/>
-              </a:rPr>
-              <a:t>타일</a:t>
-            </a:r>
-            <a:endParaRPr lang="en-US" altLang="ko-KR" sz="1200" dirty="0">
-              <a:latin typeface="에스코어 드림 4 Regular" panose="020B0503030302020204" pitchFamily="34" charset="-127"/>
-              <a:ea typeface="에스코어 드림 4 Regular" panose="020B0503030302020204" pitchFamily="34" charset="-127"/>
-            </a:endParaRPr>
           </a:p>
           <a:p>
             <a:pPr>
